--- a/Unidad 2 fbd/Práctica 4 Exposición/POLIMORFISMO_Presentación.pptx
+++ b/Unidad 2 fbd/Práctica 4 Exposición/POLIMORFISMO_Presentación.pptx
@@ -107,6 +107,11 @@
       </a:defRPr>
     </a:lvl9pPr>
   </p:defaultTextStyle>
+  <p:extLst>
+    <p:ext uri="{EFAFB233-063F-42B5-8137-9DF3F51BA10A}">
+      <p15:sldGuideLst xmlns:p15="http://schemas.microsoft.com/office/powerpoint/2012/main"/>
+    </p:ext>
+  </p:extLst>
 </p:presentation>
 </file>
 
@@ -327,7 +332,7 @@
           <a:p>
             <a:fld id="{9AB3A824-1A51-4B26-AD58-A6D8E14F6C04}" type="datetimeFigureOut">
               <a:rPr lang="en-US" dirty="0"/>
-              <a:t>10/19/2021</a:t>
+              <a:t>10/20/2021</a:t>
             </a:fld>
             <a:endParaRPr lang="en-US" dirty="0"/>
           </a:p>
@@ -661,7 +666,7 @@
           <a:p>
             <a:fld id="{D857E33E-8B18-4087-B112-809917729534}" type="datetimeFigureOut">
               <a:rPr lang="en-US" dirty="0"/>
-              <a:t>10/19/2021</a:t>
+              <a:t>10/20/2021</a:t>
             </a:fld>
             <a:endParaRPr lang="en-US" dirty="0"/>
           </a:p>
@@ -963,7 +968,7 @@
           <a:p>
             <a:fld id="{D3FFE419-2371-464F-8239-3959401C3561}" type="datetimeFigureOut">
               <a:rPr lang="en-US" dirty="0"/>
-              <a:t>10/19/2021</a:t>
+              <a:t>10/20/2021</a:t>
             </a:fld>
             <a:endParaRPr lang="en-US" dirty="0"/>
           </a:p>
@@ -1210,7 +1215,7 @@
           <a:p>
             <a:fld id="{97D162C4-EDD9-4389-A98B-B87ECEA2A816}" type="datetimeFigureOut">
               <a:rPr lang="en-US" dirty="0"/>
-              <a:t>10/19/2021</a:t>
+              <a:t>10/20/2021</a:t>
             </a:fld>
             <a:endParaRPr lang="en-US" dirty="0"/>
           </a:p>
@@ -1617,7 +1622,7 @@
           <a:p>
             <a:fld id="{3E5059C3-6A89-4494-99FF-5A4D6FFD50EB}" type="datetimeFigureOut">
               <a:rPr lang="en-US" dirty="0"/>
-              <a:t>10/19/2021</a:t>
+              <a:t>10/20/2021</a:t>
             </a:fld>
             <a:endParaRPr lang="en-US" dirty="0"/>
           </a:p>
@@ -1931,7 +1936,7 @@
           <a:p>
             <a:fld id="{CA954B2F-12DE-47F5-8894-472B206D2E1E}" type="datetimeFigureOut">
               <a:rPr lang="en-US" dirty="0"/>
-              <a:t>10/19/2021</a:t>
+              <a:t>10/20/2021</a:t>
             </a:fld>
             <a:endParaRPr lang="en-US" dirty="0"/>
           </a:p>
@@ -2475,7 +2480,7 @@
           <a:p>
             <a:fld id="{3F30E46F-7819-4ACF-B48B-48222C2ACC88}" type="datetimeFigureOut">
               <a:rPr lang="en-US" dirty="0"/>
-              <a:t>10/19/2021</a:t>
+              <a:t>10/20/2021</a:t>
             </a:fld>
             <a:endParaRPr lang="en-US" dirty="0"/>
           </a:p>
@@ -2670,7 +2675,7 @@
           <a:p>
             <a:fld id="{1FAF3416-4057-4DAA-829D-4CA07428D088}" type="datetimeFigureOut">
               <a:rPr lang="en-US" dirty="0"/>
-              <a:t>10/19/2021</a:t>
+              <a:t>10/20/2021</a:t>
             </a:fld>
             <a:endParaRPr lang="en-US" dirty="0"/>
           </a:p>
@@ -2883,7 +2888,7 @@
           <a:p>
             <a:fld id="{921D9284-D300-4297-87F7-E791DCC15DB1}" type="datetimeFigureOut">
               <a:rPr lang="en-US" dirty="0"/>
-              <a:t>10/19/2021</a:t>
+              <a:t>10/20/2021</a:t>
             </a:fld>
             <a:endParaRPr lang="en-US" dirty="0"/>
           </a:p>
@@ -3252,7 +3257,7 @@
           <a:p>
             <a:fld id="{37D525BB-DA17-4BA0-B3C8-3AC3ABC827E6}" type="datetimeFigureOut">
               <a:rPr lang="en-US" dirty="0"/>
-              <a:t>10/19/2021</a:t>
+              <a:t>10/20/2021</a:t>
             </a:fld>
             <a:endParaRPr lang="en-US" dirty="0"/>
           </a:p>
@@ -3655,7 +3660,7 @@
           <a:p>
             <a:fld id="{B16C4C9A-3960-41CF-A4E9-2A8FB932454B}" type="datetimeFigureOut">
               <a:rPr lang="en-US" dirty="0"/>
-              <a:t>10/19/2021</a:t>
+              <a:t>10/20/2021</a:t>
             </a:fld>
             <a:endParaRPr lang="en-US" dirty="0"/>
           </a:p>
@@ -3966,7 +3971,7 @@
           <a:p>
             <a:fld id="{3CBC1C18-307B-4F68-A007-B5B542270E8D}" type="datetimeFigureOut">
               <a:rPr lang="en-US" dirty="0"/>
-              <a:t>10/19/2021</a:t>
+              <a:t>10/20/2021</a:t>
             </a:fld>
             <a:endParaRPr lang="en-US" dirty="0"/>
           </a:p>
@@ -4517,6 +4522,53 @@
           </a:p>
         </p:txBody>
       </p:sp>
+      <p:sp>
+        <p:nvSpPr>
+          <p:cNvPr id="3" name="CuadroTexto 2">
+            <a:extLst>
+              <a:ext uri="{FF2B5EF4-FFF2-40B4-BE49-F238E27FC236}">
+                <a16:creationId xmlns:a16="http://schemas.microsoft.com/office/drawing/2014/main" id="{D2AAE944-782C-4168-AFE4-9FE117B7BC7F}"/>
+              </a:ext>
+            </a:extLst>
+          </p:cNvPr>
+          <p:cNvSpPr txBox="1"/>
+          <p:nvPr/>
+        </p:nvSpPr>
+        <p:spPr>
+          <a:xfrm>
+            <a:off x="2600325" y="4714875"/>
+            <a:ext cx="3980642" cy="1200329"/>
+          </a:xfrm>
+          <a:prstGeom prst="rect">
+            <a:avLst/>
+          </a:prstGeom>
+          <a:noFill/>
+        </p:spPr>
+        <p:txBody>
+          <a:bodyPr wrap="none" rtlCol="0">
+            <a:spAutoFit/>
+          </a:bodyPr>
+          <a:lstStyle/>
+          <a:p>
+            <a:r>
+              <a:rPr lang="es-MX" dirty="0"/>
+              <a:t>Alumno: Sergio Antonio Reyes Ibarra</a:t>
+            </a:r>
+          </a:p>
+          <a:p>
+            <a:endParaRPr lang="es-MX" dirty="0"/>
+          </a:p>
+          <a:p>
+            <a:endParaRPr lang="es-MX" dirty="0"/>
+          </a:p>
+          <a:p>
+            <a:r>
+              <a:rPr lang="es-MX" dirty="0"/>
+              <a:t>20/10/2021</a:t>
+            </a:r>
+          </a:p>
+        </p:txBody>
+      </p:sp>
     </p:spTree>
     <p:extLst>
       <p:ext uri="{BB962C8B-B14F-4D97-AF65-F5344CB8AC3E}">
